--- a/Zombie.pptx
+++ b/Zombie.pptx
@@ -10,6 +10,7 @@
     <p:sldId id="258" r:id="rId4"/>
     <p:sldId id="259" r:id="rId5"/>
     <p:sldId id="260" r:id="rId6"/>
+    <p:sldId id="261" r:id="rId7"/>
   </p:sldIdLst>
   <p:sldSz cx="12192000" cy="6858000"/>
   <p:notesSz cx="6858000" cy="9144000"/>
@@ -457,7 +458,7 @@
           </a:lstStyle>
           <a:p>
             <a:r>
-              <a:rPr lang="ja-JP" altLang="en-US" smtClean="0"/>
+              <a:rPr lang="ja-JP" altLang="en-US"/>
               <a:t>マスター タイトルの書式設定</a:t>
             </a:r>
             <a:endParaRPr lang="en-US" dirty="0"/>
@@ -530,7 +531,7 @@
           </a:lstStyle>
           <a:p>
             <a:r>
-              <a:rPr lang="ja-JP" altLang="en-US" smtClean="0"/>
+              <a:rPr lang="ja-JP" altLang="en-US"/>
               <a:t>マスター サブタイトルの書式設定</a:t>
             </a:r>
             <a:endParaRPr lang="en-US" dirty="0"/>
@@ -569,7 +570,7 @@
           <a:p>
             <a:fld id="{443534F5-EF00-4516-A63B-9384DF8D9900}" type="datetimeFigureOut">
               <a:rPr kumimoji="1" lang="ja-JP" altLang="en-US" smtClean="0"/>
-              <a:t>2020/1/21</a:t>
+              <a:t>2020/1/23</a:t>
             </a:fld>
             <a:endParaRPr kumimoji="1" lang="ja-JP" altLang="en-US"/>
           </a:p>
@@ -739,7 +740,7 @@
           </a:lstStyle>
           <a:p>
             <a:r>
-              <a:rPr lang="ja-JP" altLang="en-US" smtClean="0"/>
+              <a:rPr lang="ja-JP" altLang="en-US"/>
               <a:t>マスター タイトルの書式設定</a:t>
             </a:r>
             <a:endParaRPr lang="en-US" dirty="0"/>
@@ -812,7 +813,7 @@
           </a:lstStyle>
           <a:p>
             <a:r>
-              <a:rPr lang="ja-JP" altLang="en-US" smtClean="0"/>
+              <a:rPr lang="ja-JP" altLang="en-US"/>
               <a:t>図を追加</a:t>
             </a:r>
             <a:endParaRPr lang="en-US" dirty="0"/>
@@ -878,7 +879,7 @@
           <a:p>
             <a:pPr lvl="0"/>
             <a:r>
-              <a:rPr lang="ja-JP" altLang="en-US" smtClean="0"/>
+              <a:rPr lang="ja-JP" altLang="en-US"/>
               <a:t>マスター テキストの書式設定</a:t>
             </a:r>
           </a:p>
@@ -901,7 +902,7 @@
           <a:p>
             <a:fld id="{443534F5-EF00-4516-A63B-9384DF8D9900}" type="datetimeFigureOut">
               <a:rPr kumimoji="1" lang="ja-JP" altLang="en-US" smtClean="0"/>
-              <a:t>2020/1/21</a:t>
+              <a:t>2020/1/23</a:t>
             </a:fld>
             <a:endParaRPr kumimoji="1" lang="ja-JP" altLang="en-US"/>
           </a:p>
@@ -1006,7 +1007,7 @@
           </a:lstStyle>
           <a:p>
             <a:r>
-              <a:rPr lang="ja-JP" altLang="en-US" smtClean="0"/>
+              <a:rPr lang="ja-JP" altLang="en-US"/>
               <a:t>マスター タイトルの書式設定</a:t>
             </a:r>
             <a:endParaRPr lang="en-US" dirty="0"/>
@@ -1074,7 +1075,7 @@
           <a:p>
             <a:pPr lvl="0"/>
             <a:r>
-              <a:rPr lang="ja-JP" altLang="en-US" smtClean="0"/>
+              <a:rPr lang="ja-JP" altLang="en-US"/>
               <a:t>マスター テキストの書式設定</a:t>
             </a:r>
           </a:p>
@@ -1097,7 +1098,7 @@
           <a:p>
             <a:fld id="{443534F5-EF00-4516-A63B-9384DF8D9900}" type="datetimeFigureOut">
               <a:rPr kumimoji="1" lang="ja-JP" altLang="en-US" smtClean="0"/>
-              <a:t>2020/1/21</a:t>
+              <a:t>2020/1/23</a:t>
             </a:fld>
             <a:endParaRPr kumimoji="1" lang="ja-JP" altLang="en-US"/>
           </a:p>
@@ -1202,7 +1203,7 @@
           </a:lstStyle>
           <a:p>
             <a:r>
-              <a:rPr lang="ja-JP" altLang="en-US" smtClean="0"/>
+              <a:rPr lang="ja-JP" altLang="en-US"/>
               <a:t>マスター タイトルの書式設定</a:t>
             </a:r>
             <a:endParaRPr lang="en-US" dirty="0"/>
@@ -1277,7 +1278,7 @@
           <a:p>
             <a:pPr lvl="0"/>
             <a:r>
-              <a:rPr lang="ja-JP" altLang="en-US" smtClean="0"/>
+              <a:rPr lang="ja-JP" altLang="en-US"/>
               <a:t>マスター テキストの書式設定</a:t>
             </a:r>
           </a:p>
@@ -1344,7 +1345,7 @@
           <a:p>
             <a:pPr lvl="0"/>
             <a:r>
-              <a:rPr lang="ja-JP" altLang="en-US" smtClean="0"/>
+              <a:rPr lang="ja-JP" altLang="en-US"/>
               <a:t>マスター テキストの書式設定</a:t>
             </a:r>
           </a:p>
@@ -1367,7 +1368,7 @@
           <a:p>
             <a:fld id="{443534F5-EF00-4516-A63B-9384DF8D9900}" type="datetimeFigureOut">
               <a:rPr kumimoji="1" lang="ja-JP" altLang="en-US" smtClean="0"/>
-              <a:t>2020/1/21</a:t>
+              <a:t>2020/1/23</a:t>
             </a:fld>
             <a:endParaRPr kumimoji="1" lang="ja-JP" altLang="en-US"/>
           </a:p>
@@ -1704,7 +1705,7 @@
           </a:lstStyle>
           <a:p>
             <a:r>
-              <a:rPr lang="ja-JP" altLang="en-US" smtClean="0"/>
+              <a:rPr lang="ja-JP" altLang="en-US"/>
               <a:t>マスター タイトルの書式設定</a:t>
             </a:r>
             <a:endParaRPr lang="en-US" dirty="0"/>
@@ -1772,7 +1773,7 @@
           <a:p>
             <a:pPr lvl="0"/>
             <a:r>
-              <a:rPr lang="ja-JP" altLang="en-US" smtClean="0"/>
+              <a:rPr lang="ja-JP" altLang="en-US"/>
               <a:t>マスター テキストの書式設定</a:t>
             </a:r>
           </a:p>
@@ -1795,7 +1796,7 @@
           <a:p>
             <a:fld id="{443534F5-EF00-4516-A63B-9384DF8D9900}" type="datetimeFigureOut">
               <a:rPr kumimoji="1" lang="ja-JP" altLang="en-US" smtClean="0"/>
-              <a:t>2020/1/21</a:t>
+              <a:t>2020/1/23</a:t>
             </a:fld>
             <a:endParaRPr kumimoji="1" lang="ja-JP" altLang="en-US"/>
           </a:p>
@@ -1898,7 +1899,7 @@
           </a:lstStyle>
           <a:p>
             <a:r>
-              <a:rPr lang="ja-JP" altLang="en-US" smtClean="0"/>
+              <a:rPr lang="ja-JP" altLang="en-US"/>
               <a:t>マスター タイトルの書式設定</a:t>
             </a:r>
             <a:endParaRPr lang="en-US" dirty="0"/>
@@ -1973,7 +1974,7 @@
           <a:p>
             <a:pPr lvl="0"/>
             <a:r>
-              <a:rPr lang="ja-JP" altLang="en-US" smtClean="0"/>
+              <a:rPr lang="ja-JP" altLang="en-US"/>
               <a:t>マスター テキストの書式設定</a:t>
             </a:r>
           </a:p>
@@ -2040,7 +2041,7 @@
           <a:p>
             <a:pPr lvl="0"/>
             <a:r>
-              <a:rPr lang="ja-JP" altLang="en-US" smtClean="0"/>
+              <a:rPr lang="ja-JP" altLang="en-US"/>
               <a:t>マスター テキストの書式設定</a:t>
             </a:r>
           </a:p>
@@ -2114,7 +2115,7 @@
           <a:p>
             <a:pPr lvl="0"/>
             <a:r>
-              <a:rPr lang="ja-JP" altLang="en-US" smtClean="0"/>
+              <a:rPr lang="ja-JP" altLang="en-US"/>
               <a:t>マスター テキストの書式設定</a:t>
             </a:r>
           </a:p>
@@ -2181,7 +2182,7 @@
           <a:p>
             <a:pPr lvl="0"/>
             <a:r>
-              <a:rPr lang="ja-JP" altLang="en-US" smtClean="0"/>
+              <a:rPr lang="ja-JP" altLang="en-US"/>
               <a:t>マスター テキストの書式設定</a:t>
             </a:r>
           </a:p>
@@ -2255,7 +2256,7 @@
           <a:p>
             <a:pPr lvl="0"/>
             <a:r>
-              <a:rPr lang="ja-JP" altLang="en-US" smtClean="0"/>
+              <a:rPr lang="ja-JP" altLang="en-US"/>
               <a:t>マスター テキストの書式設定</a:t>
             </a:r>
           </a:p>
@@ -2322,7 +2323,7 @@
           <a:p>
             <a:pPr lvl="0"/>
             <a:r>
-              <a:rPr lang="ja-JP" altLang="en-US" smtClean="0"/>
+              <a:rPr lang="ja-JP" altLang="en-US"/>
               <a:t>マスター テキストの書式設定</a:t>
             </a:r>
           </a:p>
@@ -2345,7 +2346,7 @@
           <a:p>
             <a:fld id="{443534F5-EF00-4516-A63B-9384DF8D9900}" type="datetimeFigureOut">
               <a:rPr kumimoji="1" lang="ja-JP" altLang="en-US" smtClean="0"/>
-              <a:t>2020/1/21</a:t>
+              <a:t>2020/1/23</a:t>
             </a:fld>
             <a:endParaRPr kumimoji="1" lang="ja-JP" altLang="en-US"/>
           </a:p>
@@ -2448,7 +2449,7 @@
           </a:lstStyle>
           <a:p>
             <a:r>
-              <a:rPr lang="ja-JP" altLang="en-US" smtClean="0"/>
+              <a:rPr lang="ja-JP" altLang="en-US"/>
               <a:t>マスター タイトルの書式設定</a:t>
             </a:r>
             <a:endParaRPr lang="en-US" dirty="0"/>
@@ -2523,7 +2524,7 @@
           <a:p>
             <a:pPr lvl="0"/>
             <a:r>
-              <a:rPr lang="ja-JP" altLang="en-US" smtClean="0"/>
+              <a:rPr lang="ja-JP" altLang="en-US"/>
               <a:t>マスター テキストの書式設定</a:t>
             </a:r>
           </a:p>
@@ -2602,7 +2603,7 @@
           </a:lstStyle>
           <a:p>
             <a:r>
-              <a:rPr lang="ja-JP" altLang="en-US" smtClean="0"/>
+              <a:rPr lang="ja-JP" altLang="en-US"/>
               <a:t>図を追加</a:t>
             </a:r>
             <a:endParaRPr lang="en-US" dirty="0"/>
@@ -2670,7 +2671,7 @@
           <a:p>
             <a:pPr lvl="0"/>
             <a:r>
-              <a:rPr lang="ja-JP" altLang="en-US" smtClean="0"/>
+              <a:rPr lang="ja-JP" altLang="en-US"/>
               <a:t>マスター テキストの書式設定</a:t>
             </a:r>
           </a:p>
@@ -2744,7 +2745,7 @@
           <a:p>
             <a:pPr lvl="0"/>
             <a:r>
-              <a:rPr lang="ja-JP" altLang="en-US" smtClean="0"/>
+              <a:rPr lang="ja-JP" altLang="en-US"/>
               <a:t>マスター テキストの書式設定</a:t>
             </a:r>
           </a:p>
@@ -2823,7 +2824,7 @@
           </a:lstStyle>
           <a:p>
             <a:r>
-              <a:rPr lang="ja-JP" altLang="en-US" smtClean="0"/>
+              <a:rPr lang="ja-JP" altLang="en-US"/>
               <a:t>図を追加</a:t>
             </a:r>
             <a:endParaRPr lang="en-US" dirty="0"/>
@@ -2891,7 +2892,7 @@
           <a:p>
             <a:pPr lvl="0"/>
             <a:r>
-              <a:rPr lang="ja-JP" altLang="en-US" smtClean="0"/>
+              <a:rPr lang="ja-JP" altLang="en-US"/>
               <a:t>マスター テキストの書式設定</a:t>
             </a:r>
           </a:p>
@@ -2965,7 +2966,7 @@
           <a:p>
             <a:pPr lvl="0"/>
             <a:r>
-              <a:rPr lang="ja-JP" altLang="en-US" smtClean="0"/>
+              <a:rPr lang="ja-JP" altLang="en-US"/>
               <a:t>マスター テキストの書式設定</a:t>
             </a:r>
           </a:p>
@@ -3044,7 +3045,7 @@
           </a:lstStyle>
           <a:p>
             <a:r>
-              <a:rPr lang="ja-JP" altLang="en-US" smtClean="0"/>
+              <a:rPr lang="ja-JP" altLang="en-US"/>
               <a:t>図を追加</a:t>
             </a:r>
             <a:endParaRPr lang="en-US" dirty="0"/>
@@ -3112,7 +3113,7 @@
           <a:p>
             <a:pPr lvl="0"/>
             <a:r>
-              <a:rPr lang="ja-JP" altLang="en-US" smtClean="0"/>
+              <a:rPr lang="ja-JP" altLang="en-US"/>
               <a:t>マスター テキストの書式設定</a:t>
             </a:r>
           </a:p>
@@ -3135,7 +3136,7 @@
           <a:p>
             <a:fld id="{443534F5-EF00-4516-A63B-9384DF8D9900}" type="datetimeFigureOut">
               <a:rPr kumimoji="1" lang="ja-JP" altLang="en-US" smtClean="0"/>
-              <a:t>2020/1/21</a:t>
+              <a:t>2020/1/23</a:t>
             </a:fld>
             <a:endParaRPr kumimoji="1" lang="ja-JP" altLang="en-US"/>
           </a:p>
@@ -3233,7 +3234,7 @@
           </a:lstStyle>
           <a:p>
             <a:r>
-              <a:rPr lang="ja-JP" altLang="en-US" smtClean="0"/>
+              <a:rPr lang="ja-JP" altLang="en-US"/>
               <a:t>マスター タイトルの書式設定</a:t>
             </a:r>
             <a:endParaRPr lang="en-US" dirty="0"/>
@@ -3262,67 +3263,67 @@
           <a:p>
             <a:pPr lvl="0"/>
             <a:r>
-              <a:rPr lang="ja-JP" altLang="en-US" smtClean="0"/>
+              <a:rPr lang="ja-JP" altLang="en-US"/>
               <a:t>マスター テキストの書式設定</a:t>
             </a:r>
           </a:p>
           <a:p>
             <a:pPr lvl="1"/>
             <a:r>
-              <a:rPr lang="ja-JP" altLang="en-US" smtClean="0"/>
+              <a:rPr lang="ja-JP" altLang="en-US"/>
               <a:t>第 </a:t>
             </a:r>
             <a:r>
-              <a:rPr lang="en-US" altLang="ja-JP" smtClean="0"/>
+              <a:rPr lang="en-US" altLang="ja-JP"/>
               <a:t>2 </a:t>
             </a:r>
             <a:r>
-              <a:rPr lang="ja-JP" altLang="en-US" smtClean="0"/>
+              <a:rPr lang="ja-JP" altLang="en-US"/>
               <a:t>レベル</a:t>
             </a:r>
           </a:p>
           <a:p>
             <a:pPr lvl="2"/>
             <a:r>
-              <a:rPr lang="ja-JP" altLang="en-US" smtClean="0"/>
+              <a:rPr lang="ja-JP" altLang="en-US"/>
               <a:t>第 </a:t>
             </a:r>
             <a:r>
-              <a:rPr lang="en-US" altLang="ja-JP" smtClean="0"/>
+              <a:rPr lang="en-US" altLang="ja-JP"/>
               <a:t>3 </a:t>
             </a:r>
             <a:r>
-              <a:rPr lang="ja-JP" altLang="en-US" smtClean="0"/>
+              <a:rPr lang="ja-JP" altLang="en-US"/>
               <a:t>レベル</a:t>
             </a:r>
           </a:p>
           <a:p>
             <a:pPr lvl="3"/>
             <a:r>
-              <a:rPr lang="ja-JP" altLang="en-US" smtClean="0"/>
+              <a:rPr lang="ja-JP" altLang="en-US"/>
               <a:t>第 </a:t>
             </a:r>
             <a:r>
-              <a:rPr lang="en-US" altLang="ja-JP" smtClean="0"/>
+              <a:rPr lang="en-US" altLang="ja-JP"/>
               <a:t>4 </a:t>
             </a:r>
             <a:r>
-              <a:rPr lang="ja-JP" altLang="en-US" smtClean="0"/>
+              <a:rPr lang="ja-JP" altLang="en-US"/>
               <a:t>レベル</a:t>
             </a:r>
           </a:p>
           <a:p>
             <a:pPr lvl="4"/>
             <a:r>
-              <a:rPr lang="ja-JP" altLang="en-US" smtClean="0"/>
+              <a:rPr lang="ja-JP" altLang="en-US"/>
               <a:t>第 </a:t>
             </a:r>
             <a:r>
-              <a:rPr lang="en-US" altLang="ja-JP" smtClean="0"/>
+              <a:rPr lang="en-US" altLang="ja-JP"/>
               <a:t>5 </a:t>
             </a:r>
             <a:r>
-              <a:rPr lang="ja-JP" altLang="en-US" smtClean="0"/>
+              <a:rPr lang="ja-JP" altLang="en-US"/>
               <a:t>レベル</a:t>
             </a:r>
             <a:endParaRPr lang="en-US" dirty="0"/>
@@ -3346,7 +3347,7 @@
           <a:p>
             <a:fld id="{443534F5-EF00-4516-A63B-9384DF8D9900}" type="datetimeFigureOut">
               <a:rPr kumimoji="1" lang="ja-JP" altLang="en-US" smtClean="0"/>
-              <a:t>2020/1/21</a:t>
+              <a:t>2020/1/23</a:t>
             </a:fld>
             <a:endParaRPr kumimoji="1" lang="ja-JP" altLang="en-US"/>
           </a:p>
@@ -3449,7 +3450,7 @@
           </a:lstStyle>
           <a:p>
             <a:r>
-              <a:rPr lang="ja-JP" altLang="en-US" smtClean="0"/>
+              <a:rPr lang="ja-JP" altLang="en-US"/>
               <a:t>マスター タイトルの書式設定</a:t>
             </a:r>
             <a:endParaRPr lang="en-US" dirty="0"/>
@@ -3478,67 +3479,67 @@
           <a:p>
             <a:pPr lvl="0"/>
             <a:r>
-              <a:rPr lang="ja-JP" altLang="en-US" smtClean="0"/>
+              <a:rPr lang="ja-JP" altLang="en-US"/>
               <a:t>マスター テキストの書式設定</a:t>
             </a:r>
           </a:p>
           <a:p>
             <a:pPr lvl="1"/>
             <a:r>
-              <a:rPr lang="ja-JP" altLang="en-US" smtClean="0"/>
+              <a:rPr lang="ja-JP" altLang="en-US"/>
               <a:t>第 </a:t>
             </a:r>
             <a:r>
-              <a:rPr lang="en-US" altLang="ja-JP" smtClean="0"/>
+              <a:rPr lang="en-US" altLang="ja-JP"/>
               <a:t>2 </a:t>
             </a:r>
             <a:r>
-              <a:rPr lang="ja-JP" altLang="en-US" smtClean="0"/>
+              <a:rPr lang="ja-JP" altLang="en-US"/>
               <a:t>レベル</a:t>
             </a:r>
           </a:p>
           <a:p>
             <a:pPr lvl="2"/>
             <a:r>
-              <a:rPr lang="ja-JP" altLang="en-US" smtClean="0"/>
+              <a:rPr lang="ja-JP" altLang="en-US"/>
               <a:t>第 </a:t>
             </a:r>
             <a:r>
-              <a:rPr lang="en-US" altLang="ja-JP" smtClean="0"/>
+              <a:rPr lang="en-US" altLang="ja-JP"/>
               <a:t>3 </a:t>
             </a:r>
             <a:r>
-              <a:rPr lang="ja-JP" altLang="en-US" smtClean="0"/>
+              <a:rPr lang="ja-JP" altLang="en-US"/>
               <a:t>レベル</a:t>
             </a:r>
           </a:p>
           <a:p>
             <a:pPr lvl="3"/>
             <a:r>
-              <a:rPr lang="ja-JP" altLang="en-US" smtClean="0"/>
+              <a:rPr lang="ja-JP" altLang="en-US"/>
               <a:t>第 </a:t>
             </a:r>
             <a:r>
-              <a:rPr lang="en-US" altLang="ja-JP" smtClean="0"/>
+              <a:rPr lang="en-US" altLang="ja-JP"/>
               <a:t>4 </a:t>
             </a:r>
             <a:r>
-              <a:rPr lang="ja-JP" altLang="en-US" smtClean="0"/>
+              <a:rPr lang="ja-JP" altLang="en-US"/>
               <a:t>レベル</a:t>
             </a:r>
           </a:p>
           <a:p>
             <a:pPr lvl="4"/>
             <a:r>
-              <a:rPr lang="ja-JP" altLang="en-US" smtClean="0"/>
+              <a:rPr lang="ja-JP" altLang="en-US"/>
               <a:t>第 </a:t>
             </a:r>
             <a:r>
-              <a:rPr lang="en-US" altLang="ja-JP" smtClean="0"/>
+              <a:rPr lang="en-US" altLang="ja-JP"/>
               <a:t>5 </a:t>
             </a:r>
             <a:r>
-              <a:rPr lang="ja-JP" altLang="en-US" smtClean="0"/>
+              <a:rPr lang="ja-JP" altLang="en-US"/>
               <a:t>レベル</a:t>
             </a:r>
             <a:endParaRPr lang="en-US" dirty="0"/>
@@ -3562,7 +3563,7 @@
           <a:p>
             <a:fld id="{443534F5-EF00-4516-A63B-9384DF8D9900}" type="datetimeFigureOut">
               <a:rPr kumimoji="1" lang="ja-JP" altLang="en-US" smtClean="0"/>
-              <a:t>2020/1/21</a:t>
+              <a:t>2020/1/23</a:t>
             </a:fld>
             <a:endParaRPr kumimoji="1" lang="ja-JP" altLang="en-US"/>
           </a:p>
@@ -3656,7 +3657,7 @@
           <a:lstStyle/>
           <a:p>
             <a:r>
-              <a:rPr lang="ja-JP" altLang="en-US" smtClean="0"/>
+              <a:rPr lang="ja-JP" altLang="en-US"/>
               <a:t>マスター タイトルの書式設定</a:t>
             </a:r>
             <a:endParaRPr lang="en-US" dirty="0"/>
@@ -3685,67 +3686,67 @@
           <a:p>
             <a:pPr lvl="0"/>
             <a:r>
-              <a:rPr lang="ja-JP" altLang="en-US" smtClean="0"/>
+              <a:rPr lang="ja-JP" altLang="en-US"/>
               <a:t>マスター テキストの書式設定</a:t>
             </a:r>
           </a:p>
           <a:p>
             <a:pPr lvl="1"/>
             <a:r>
-              <a:rPr lang="ja-JP" altLang="en-US" smtClean="0"/>
+              <a:rPr lang="ja-JP" altLang="en-US"/>
               <a:t>第 </a:t>
             </a:r>
             <a:r>
-              <a:rPr lang="en-US" altLang="ja-JP" smtClean="0"/>
+              <a:rPr lang="en-US" altLang="ja-JP"/>
               <a:t>2 </a:t>
             </a:r>
             <a:r>
-              <a:rPr lang="ja-JP" altLang="en-US" smtClean="0"/>
+              <a:rPr lang="ja-JP" altLang="en-US"/>
               <a:t>レベル</a:t>
             </a:r>
           </a:p>
           <a:p>
             <a:pPr lvl="2"/>
             <a:r>
-              <a:rPr lang="ja-JP" altLang="en-US" smtClean="0"/>
+              <a:rPr lang="ja-JP" altLang="en-US"/>
               <a:t>第 </a:t>
             </a:r>
             <a:r>
-              <a:rPr lang="en-US" altLang="ja-JP" smtClean="0"/>
+              <a:rPr lang="en-US" altLang="ja-JP"/>
               <a:t>3 </a:t>
             </a:r>
             <a:r>
-              <a:rPr lang="ja-JP" altLang="en-US" smtClean="0"/>
+              <a:rPr lang="ja-JP" altLang="en-US"/>
               <a:t>レベル</a:t>
             </a:r>
           </a:p>
           <a:p>
             <a:pPr lvl="3"/>
             <a:r>
-              <a:rPr lang="ja-JP" altLang="en-US" smtClean="0"/>
+              <a:rPr lang="ja-JP" altLang="en-US"/>
               <a:t>第 </a:t>
             </a:r>
             <a:r>
-              <a:rPr lang="en-US" altLang="ja-JP" smtClean="0"/>
+              <a:rPr lang="en-US" altLang="ja-JP"/>
               <a:t>4 </a:t>
             </a:r>
             <a:r>
-              <a:rPr lang="ja-JP" altLang="en-US" smtClean="0"/>
+              <a:rPr lang="ja-JP" altLang="en-US"/>
               <a:t>レベル</a:t>
             </a:r>
           </a:p>
           <a:p>
             <a:pPr lvl="4"/>
             <a:r>
-              <a:rPr lang="ja-JP" altLang="en-US" smtClean="0"/>
+              <a:rPr lang="ja-JP" altLang="en-US"/>
               <a:t>第 </a:t>
             </a:r>
             <a:r>
-              <a:rPr lang="en-US" altLang="ja-JP" smtClean="0"/>
+              <a:rPr lang="en-US" altLang="ja-JP"/>
               <a:t>5 </a:t>
             </a:r>
             <a:r>
-              <a:rPr lang="ja-JP" altLang="en-US" smtClean="0"/>
+              <a:rPr lang="ja-JP" altLang="en-US"/>
               <a:t>レベル</a:t>
             </a:r>
             <a:endParaRPr lang="en-US" dirty="0"/>
@@ -3769,7 +3770,7 @@
           <a:p>
             <a:fld id="{443534F5-EF00-4516-A63B-9384DF8D9900}" type="datetimeFigureOut">
               <a:rPr kumimoji="1" lang="ja-JP" altLang="en-US" smtClean="0"/>
-              <a:t>2020/1/21</a:t>
+              <a:t>2020/1/23</a:t>
             </a:fld>
             <a:endParaRPr kumimoji="1" lang="ja-JP" altLang="en-US"/>
           </a:p>
@@ -3874,7 +3875,7 @@
           </a:lstStyle>
           <a:p>
             <a:r>
-              <a:rPr lang="ja-JP" altLang="en-US" smtClean="0"/>
+              <a:rPr lang="ja-JP" altLang="en-US"/>
               <a:t>マスター タイトルの書式設定</a:t>
             </a:r>
             <a:endParaRPr lang="en-US" dirty="0"/>
@@ -3996,7 +3997,7 @@
           <a:p>
             <a:pPr lvl="0"/>
             <a:r>
-              <a:rPr lang="ja-JP" altLang="en-US" smtClean="0"/>
+              <a:rPr lang="ja-JP" altLang="en-US"/>
               <a:t>マスター テキストの書式設定</a:t>
             </a:r>
           </a:p>
@@ -4019,7 +4020,7 @@
           <a:p>
             <a:fld id="{443534F5-EF00-4516-A63B-9384DF8D9900}" type="datetimeFigureOut">
               <a:rPr kumimoji="1" lang="ja-JP" altLang="en-US" smtClean="0"/>
-              <a:t>2020/1/21</a:t>
+              <a:t>2020/1/23</a:t>
             </a:fld>
             <a:endParaRPr kumimoji="1" lang="ja-JP" altLang="en-US"/>
           </a:p>
@@ -4118,7 +4119,7 @@
           <a:lstStyle/>
           <a:p>
             <a:r>
-              <a:rPr lang="ja-JP" altLang="en-US" smtClean="0"/>
+              <a:rPr lang="ja-JP" altLang="en-US"/>
               <a:t>マスター タイトルの書式設定</a:t>
             </a:r>
             <a:endParaRPr lang="en-US" dirty="0"/>
@@ -4147,67 +4148,67 @@
           <a:p>
             <a:pPr lvl="0"/>
             <a:r>
-              <a:rPr lang="ja-JP" altLang="en-US" smtClean="0"/>
+              <a:rPr lang="ja-JP" altLang="en-US"/>
               <a:t>マスター テキストの書式設定</a:t>
             </a:r>
           </a:p>
           <a:p>
             <a:pPr lvl="1"/>
             <a:r>
-              <a:rPr lang="ja-JP" altLang="en-US" smtClean="0"/>
+              <a:rPr lang="ja-JP" altLang="en-US"/>
               <a:t>第 </a:t>
             </a:r>
             <a:r>
-              <a:rPr lang="en-US" altLang="ja-JP" smtClean="0"/>
+              <a:rPr lang="en-US" altLang="ja-JP"/>
               <a:t>2 </a:t>
             </a:r>
             <a:r>
-              <a:rPr lang="ja-JP" altLang="en-US" smtClean="0"/>
+              <a:rPr lang="ja-JP" altLang="en-US"/>
               <a:t>レベル</a:t>
             </a:r>
           </a:p>
           <a:p>
             <a:pPr lvl="2"/>
             <a:r>
-              <a:rPr lang="ja-JP" altLang="en-US" smtClean="0"/>
+              <a:rPr lang="ja-JP" altLang="en-US"/>
               <a:t>第 </a:t>
             </a:r>
             <a:r>
-              <a:rPr lang="en-US" altLang="ja-JP" smtClean="0"/>
+              <a:rPr lang="en-US" altLang="ja-JP"/>
               <a:t>3 </a:t>
             </a:r>
             <a:r>
-              <a:rPr lang="ja-JP" altLang="en-US" smtClean="0"/>
+              <a:rPr lang="ja-JP" altLang="en-US"/>
               <a:t>レベル</a:t>
             </a:r>
           </a:p>
           <a:p>
             <a:pPr lvl="3"/>
             <a:r>
-              <a:rPr lang="ja-JP" altLang="en-US" smtClean="0"/>
+              <a:rPr lang="ja-JP" altLang="en-US"/>
               <a:t>第 </a:t>
             </a:r>
             <a:r>
-              <a:rPr lang="en-US" altLang="ja-JP" smtClean="0"/>
+              <a:rPr lang="en-US" altLang="ja-JP"/>
               <a:t>4 </a:t>
             </a:r>
             <a:r>
-              <a:rPr lang="ja-JP" altLang="en-US" smtClean="0"/>
+              <a:rPr lang="ja-JP" altLang="en-US"/>
               <a:t>レベル</a:t>
             </a:r>
           </a:p>
           <a:p>
             <a:pPr lvl="4"/>
             <a:r>
-              <a:rPr lang="ja-JP" altLang="en-US" smtClean="0"/>
+              <a:rPr lang="ja-JP" altLang="en-US"/>
               <a:t>第 </a:t>
             </a:r>
             <a:r>
-              <a:rPr lang="en-US" altLang="ja-JP" smtClean="0"/>
+              <a:rPr lang="en-US" altLang="ja-JP"/>
               <a:t>5 </a:t>
             </a:r>
             <a:r>
-              <a:rPr lang="ja-JP" altLang="en-US" smtClean="0"/>
+              <a:rPr lang="ja-JP" altLang="en-US"/>
               <a:t>レベル</a:t>
             </a:r>
             <a:endParaRPr lang="en-US" dirty="0"/>
@@ -4236,67 +4237,67 @@
           <a:p>
             <a:pPr lvl="0"/>
             <a:r>
-              <a:rPr lang="ja-JP" altLang="en-US" smtClean="0"/>
+              <a:rPr lang="ja-JP" altLang="en-US"/>
               <a:t>マスター テキストの書式設定</a:t>
             </a:r>
           </a:p>
           <a:p>
             <a:pPr lvl="1"/>
             <a:r>
-              <a:rPr lang="ja-JP" altLang="en-US" smtClean="0"/>
+              <a:rPr lang="ja-JP" altLang="en-US"/>
               <a:t>第 </a:t>
             </a:r>
             <a:r>
-              <a:rPr lang="en-US" altLang="ja-JP" smtClean="0"/>
+              <a:rPr lang="en-US" altLang="ja-JP"/>
               <a:t>2 </a:t>
             </a:r>
             <a:r>
-              <a:rPr lang="ja-JP" altLang="en-US" smtClean="0"/>
+              <a:rPr lang="ja-JP" altLang="en-US"/>
               <a:t>レベル</a:t>
             </a:r>
           </a:p>
           <a:p>
             <a:pPr lvl="2"/>
             <a:r>
-              <a:rPr lang="ja-JP" altLang="en-US" smtClean="0"/>
+              <a:rPr lang="ja-JP" altLang="en-US"/>
               <a:t>第 </a:t>
             </a:r>
             <a:r>
-              <a:rPr lang="en-US" altLang="ja-JP" smtClean="0"/>
+              <a:rPr lang="en-US" altLang="ja-JP"/>
               <a:t>3 </a:t>
             </a:r>
             <a:r>
-              <a:rPr lang="ja-JP" altLang="en-US" smtClean="0"/>
+              <a:rPr lang="ja-JP" altLang="en-US"/>
               <a:t>レベル</a:t>
             </a:r>
           </a:p>
           <a:p>
             <a:pPr lvl="3"/>
             <a:r>
-              <a:rPr lang="ja-JP" altLang="en-US" smtClean="0"/>
+              <a:rPr lang="ja-JP" altLang="en-US"/>
               <a:t>第 </a:t>
             </a:r>
             <a:r>
-              <a:rPr lang="en-US" altLang="ja-JP" smtClean="0"/>
+              <a:rPr lang="en-US" altLang="ja-JP"/>
               <a:t>4 </a:t>
             </a:r>
             <a:r>
-              <a:rPr lang="ja-JP" altLang="en-US" smtClean="0"/>
+              <a:rPr lang="ja-JP" altLang="en-US"/>
               <a:t>レベル</a:t>
             </a:r>
           </a:p>
           <a:p>
             <a:pPr lvl="4"/>
             <a:r>
-              <a:rPr lang="ja-JP" altLang="en-US" smtClean="0"/>
+              <a:rPr lang="ja-JP" altLang="en-US"/>
               <a:t>第 </a:t>
             </a:r>
             <a:r>
-              <a:rPr lang="en-US" altLang="ja-JP" smtClean="0"/>
+              <a:rPr lang="en-US" altLang="ja-JP"/>
               <a:t>5 </a:t>
             </a:r>
             <a:r>
-              <a:rPr lang="ja-JP" altLang="en-US" smtClean="0"/>
+              <a:rPr lang="ja-JP" altLang="en-US"/>
               <a:t>レベル</a:t>
             </a:r>
             <a:endParaRPr lang="en-US" dirty="0"/>
@@ -4320,7 +4321,7 @@
           <a:p>
             <a:fld id="{443534F5-EF00-4516-A63B-9384DF8D9900}" type="datetimeFigureOut">
               <a:rPr kumimoji="1" lang="ja-JP" altLang="en-US" smtClean="0"/>
-              <a:t>2020/1/21</a:t>
+              <a:t>2020/1/23</a:t>
             </a:fld>
             <a:endParaRPr kumimoji="1" lang="ja-JP" altLang="en-US"/>
           </a:p>
@@ -4419,7 +4420,7 @@
           <a:lstStyle/>
           <a:p>
             <a:r>
-              <a:rPr lang="ja-JP" altLang="en-US" smtClean="0"/>
+              <a:rPr lang="ja-JP" altLang="en-US"/>
               <a:t>マスター タイトルの書式設定</a:t>
             </a:r>
             <a:endParaRPr lang="en-US" dirty="0"/>
@@ -4494,7 +4495,7 @@
           <a:p>
             <a:pPr lvl="0"/>
             <a:r>
-              <a:rPr lang="ja-JP" altLang="en-US" smtClean="0"/>
+              <a:rPr lang="ja-JP" altLang="en-US"/>
               <a:t>マスター テキストの書式設定</a:t>
             </a:r>
           </a:p>
@@ -4522,67 +4523,67 @@
           <a:p>
             <a:pPr lvl="0"/>
             <a:r>
-              <a:rPr lang="ja-JP" altLang="en-US" smtClean="0"/>
+              <a:rPr lang="ja-JP" altLang="en-US"/>
               <a:t>マスター テキストの書式設定</a:t>
             </a:r>
           </a:p>
           <a:p>
             <a:pPr lvl="1"/>
             <a:r>
-              <a:rPr lang="ja-JP" altLang="en-US" smtClean="0"/>
+              <a:rPr lang="ja-JP" altLang="en-US"/>
               <a:t>第 </a:t>
             </a:r>
             <a:r>
-              <a:rPr lang="en-US" altLang="ja-JP" smtClean="0"/>
+              <a:rPr lang="en-US" altLang="ja-JP"/>
               <a:t>2 </a:t>
             </a:r>
             <a:r>
-              <a:rPr lang="ja-JP" altLang="en-US" smtClean="0"/>
+              <a:rPr lang="ja-JP" altLang="en-US"/>
               <a:t>レベル</a:t>
             </a:r>
           </a:p>
           <a:p>
             <a:pPr lvl="2"/>
             <a:r>
-              <a:rPr lang="ja-JP" altLang="en-US" smtClean="0"/>
+              <a:rPr lang="ja-JP" altLang="en-US"/>
               <a:t>第 </a:t>
             </a:r>
             <a:r>
-              <a:rPr lang="en-US" altLang="ja-JP" smtClean="0"/>
+              <a:rPr lang="en-US" altLang="ja-JP"/>
               <a:t>3 </a:t>
             </a:r>
             <a:r>
-              <a:rPr lang="ja-JP" altLang="en-US" smtClean="0"/>
+              <a:rPr lang="ja-JP" altLang="en-US"/>
               <a:t>レベル</a:t>
             </a:r>
           </a:p>
           <a:p>
             <a:pPr lvl="3"/>
             <a:r>
-              <a:rPr lang="ja-JP" altLang="en-US" smtClean="0"/>
+              <a:rPr lang="ja-JP" altLang="en-US"/>
               <a:t>第 </a:t>
             </a:r>
             <a:r>
-              <a:rPr lang="en-US" altLang="ja-JP" smtClean="0"/>
+              <a:rPr lang="en-US" altLang="ja-JP"/>
               <a:t>4 </a:t>
             </a:r>
             <a:r>
-              <a:rPr lang="ja-JP" altLang="en-US" smtClean="0"/>
+              <a:rPr lang="ja-JP" altLang="en-US"/>
               <a:t>レベル</a:t>
             </a:r>
           </a:p>
           <a:p>
             <a:pPr lvl="4"/>
             <a:r>
-              <a:rPr lang="ja-JP" altLang="en-US" smtClean="0"/>
+              <a:rPr lang="ja-JP" altLang="en-US"/>
               <a:t>第 </a:t>
             </a:r>
             <a:r>
-              <a:rPr lang="en-US" altLang="ja-JP" smtClean="0"/>
+              <a:rPr lang="en-US" altLang="ja-JP"/>
               <a:t>5 </a:t>
             </a:r>
             <a:r>
-              <a:rPr lang="ja-JP" altLang="en-US" smtClean="0"/>
+              <a:rPr lang="ja-JP" altLang="en-US"/>
               <a:t>レベル</a:t>
             </a:r>
             <a:endParaRPr lang="en-US" dirty="0"/>
@@ -4657,7 +4658,7 @@
           <a:p>
             <a:pPr lvl="0"/>
             <a:r>
-              <a:rPr lang="ja-JP" altLang="en-US" smtClean="0"/>
+              <a:rPr lang="ja-JP" altLang="en-US"/>
               <a:t>マスター テキストの書式設定</a:t>
             </a:r>
           </a:p>
@@ -4685,67 +4686,67 @@
           <a:p>
             <a:pPr lvl="0"/>
             <a:r>
-              <a:rPr lang="ja-JP" altLang="en-US" smtClean="0"/>
+              <a:rPr lang="ja-JP" altLang="en-US"/>
               <a:t>マスター テキストの書式設定</a:t>
             </a:r>
           </a:p>
           <a:p>
             <a:pPr lvl="1"/>
             <a:r>
-              <a:rPr lang="ja-JP" altLang="en-US" smtClean="0"/>
+              <a:rPr lang="ja-JP" altLang="en-US"/>
               <a:t>第 </a:t>
             </a:r>
             <a:r>
-              <a:rPr lang="en-US" altLang="ja-JP" smtClean="0"/>
+              <a:rPr lang="en-US" altLang="ja-JP"/>
               <a:t>2 </a:t>
             </a:r>
             <a:r>
-              <a:rPr lang="ja-JP" altLang="en-US" smtClean="0"/>
+              <a:rPr lang="ja-JP" altLang="en-US"/>
               <a:t>レベル</a:t>
             </a:r>
           </a:p>
           <a:p>
             <a:pPr lvl="2"/>
             <a:r>
-              <a:rPr lang="ja-JP" altLang="en-US" smtClean="0"/>
+              <a:rPr lang="ja-JP" altLang="en-US"/>
               <a:t>第 </a:t>
             </a:r>
             <a:r>
-              <a:rPr lang="en-US" altLang="ja-JP" smtClean="0"/>
+              <a:rPr lang="en-US" altLang="ja-JP"/>
               <a:t>3 </a:t>
             </a:r>
             <a:r>
-              <a:rPr lang="ja-JP" altLang="en-US" smtClean="0"/>
+              <a:rPr lang="ja-JP" altLang="en-US"/>
               <a:t>レベル</a:t>
             </a:r>
           </a:p>
           <a:p>
             <a:pPr lvl="3"/>
             <a:r>
-              <a:rPr lang="ja-JP" altLang="en-US" smtClean="0"/>
+              <a:rPr lang="ja-JP" altLang="en-US"/>
               <a:t>第 </a:t>
             </a:r>
             <a:r>
-              <a:rPr lang="en-US" altLang="ja-JP" smtClean="0"/>
+              <a:rPr lang="en-US" altLang="ja-JP"/>
               <a:t>4 </a:t>
             </a:r>
             <a:r>
-              <a:rPr lang="ja-JP" altLang="en-US" smtClean="0"/>
+              <a:rPr lang="ja-JP" altLang="en-US"/>
               <a:t>レベル</a:t>
             </a:r>
           </a:p>
           <a:p>
             <a:pPr lvl="4"/>
             <a:r>
-              <a:rPr lang="ja-JP" altLang="en-US" smtClean="0"/>
+              <a:rPr lang="ja-JP" altLang="en-US"/>
               <a:t>第 </a:t>
             </a:r>
             <a:r>
-              <a:rPr lang="en-US" altLang="ja-JP" smtClean="0"/>
+              <a:rPr lang="en-US" altLang="ja-JP"/>
               <a:t>5 </a:t>
             </a:r>
             <a:r>
-              <a:rPr lang="ja-JP" altLang="en-US" smtClean="0"/>
+              <a:rPr lang="ja-JP" altLang="en-US"/>
               <a:t>レベル</a:t>
             </a:r>
             <a:endParaRPr lang="en-US" dirty="0"/>
@@ -4769,7 +4770,7 @@
           <a:p>
             <a:fld id="{443534F5-EF00-4516-A63B-9384DF8D9900}" type="datetimeFigureOut">
               <a:rPr kumimoji="1" lang="ja-JP" altLang="en-US" smtClean="0"/>
-              <a:t>2020/1/21</a:t>
+              <a:t>2020/1/23</a:t>
             </a:fld>
             <a:endParaRPr kumimoji="1" lang="ja-JP" altLang="en-US"/>
           </a:p>
@@ -4863,7 +4864,7 @@
           <a:lstStyle/>
           <a:p>
             <a:r>
-              <a:rPr lang="ja-JP" altLang="en-US" smtClean="0"/>
+              <a:rPr lang="ja-JP" altLang="en-US"/>
               <a:t>マスター タイトルの書式設定</a:t>
             </a:r>
             <a:endParaRPr lang="en-US" dirty="0"/>
@@ -4887,7 +4888,7 @@
           <a:p>
             <a:fld id="{443534F5-EF00-4516-A63B-9384DF8D9900}" type="datetimeFigureOut">
               <a:rPr kumimoji="1" lang="ja-JP" altLang="en-US" smtClean="0"/>
-              <a:t>2020/1/21</a:t>
+              <a:t>2020/1/23</a:t>
             </a:fld>
             <a:endParaRPr kumimoji="1" lang="ja-JP" altLang="en-US"/>
           </a:p>
@@ -4982,7 +4983,7 @@
           <a:p>
             <a:fld id="{443534F5-EF00-4516-A63B-9384DF8D9900}" type="datetimeFigureOut">
               <a:rPr kumimoji="1" lang="ja-JP" altLang="en-US" smtClean="0"/>
-              <a:t>2020/1/21</a:t>
+              <a:t>2020/1/23</a:t>
             </a:fld>
             <a:endParaRPr kumimoji="1" lang="ja-JP" altLang="en-US"/>
           </a:p>
@@ -5087,7 +5088,7 @@
           </a:lstStyle>
           <a:p>
             <a:r>
-              <a:rPr lang="ja-JP" altLang="en-US" smtClean="0"/>
+              <a:rPr lang="ja-JP" altLang="en-US"/>
               <a:t>マスター タイトルの書式設定</a:t>
             </a:r>
             <a:endParaRPr lang="en-US" dirty="0"/>
@@ -5116,67 +5117,67 @@
           <a:p>
             <a:pPr lvl="0"/>
             <a:r>
-              <a:rPr lang="ja-JP" altLang="en-US" smtClean="0"/>
+              <a:rPr lang="ja-JP" altLang="en-US"/>
               <a:t>マスター テキストの書式設定</a:t>
             </a:r>
           </a:p>
           <a:p>
             <a:pPr lvl="1"/>
             <a:r>
-              <a:rPr lang="ja-JP" altLang="en-US" smtClean="0"/>
+              <a:rPr lang="ja-JP" altLang="en-US"/>
               <a:t>第 </a:t>
             </a:r>
             <a:r>
-              <a:rPr lang="en-US" altLang="ja-JP" smtClean="0"/>
+              <a:rPr lang="en-US" altLang="ja-JP"/>
               <a:t>2 </a:t>
             </a:r>
             <a:r>
-              <a:rPr lang="ja-JP" altLang="en-US" smtClean="0"/>
+              <a:rPr lang="ja-JP" altLang="en-US"/>
               <a:t>レベル</a:t>
             </a:r>
           </a:p>
           <a:p>
             <a:pPr lvl="2"/>
             <a:r>
-              <a:rPr lang="ja-JP" altLang="en-US" smtClean="0"/>
+              <a:rPr lang="ja-JP" altLang="en-US"/>
               <a:t>第 </a:t>
             </a:r>
             <a:r>
-              <a:rPr lang="en-US" altLang="ja-JP" smtClean="0"/>
+              <a:rPr lang="en-US" altLang="ja-JP"/>
               <a:t>3 </a:t>
             </a:r>
             <a:r>
-              <a:rPr lang="ja-JP" altLang="en-US" smtClean="0"/>
+              <a:rPr lang="ja-JP" altLang="en-US"/>
               <a:t>レベル</a:t>
             </a:r>
           </a:p>
           <a:p>
             <a:pPr lvl="3"/>
             <a:r>
-              <a:rPr lang="ja-JP" altLang="en-US" smtClean="0"/>
+              <a:rPr lang="ja-JP" altLang="en-US"/>
               <a:t>第 </a:t>
             </a:r>
             <a:r>
-              <a:rPr lang="en-US" altLang="ja-JP" smtClean="0"/>
+              <a:rPr lang="en-US" altLang="ja-JP"/>
               <a:t>4 </a:t>
             </a:r>
             <a:r>
-              <a:rPr lang="ja-JP" altLang="en-US" smtClean="0"/>
+              <a:rPr lang="ja-JP" altLang="en-US"/>
               <a:t>レベル</a:t>
             </a:r>
           </a:p>
           <a:p>
             <a:pPr lvl="4"/>
             <a:r>
-              <a:rPr lang="ja-JP" altLang="en-US" smtClean="0"/>
+              <a:rPr lang="ja-JP" altLang="en-US"/>
               <a:t>第 </a:t>
             </a:r>
             <a:r>
-              <a:rPr lang="en-US" altLang="ja-JP" smtClean="0"/>
+              <a:rPr lang="en-US" altLang="ja-JP"/>
               <a:t>5 </a:t>
             </a:r>
             <a:r>
-              <a:rPr lang="ja-JP" altLang="en-US" smtClean="0"/>
+              <a:rPr lang="ja-JP" altLang="en-US"/>
               <a:t>レベル</a:t>
             </a:r>
             <a:endParaRPr lang="en-US" dirty="0"/>
@@ -5244,7 +5245,7 @@
           <a:p>
             <a:pPr lvl="0"/>
             <a:r>
-              <a:rPr lang="ja-JP" altLang="en-US" smtClean="0"/>
+              <a:rPr lang="ja-JP" altLang="en-US"/>
               <a:t>マスター テキストの書式設定</a:t>
             </a:r>
           </a:p>
@@ -5267,7 +5268,7 @@
           <a:p>
             <a:fld id="{443534F5-EF00-4516-A63B-9384DF8D9900}" type="datetimeFigureOut">
               <a:rPr kumimoji="1" lang="ja-JP" altLang="en-US" smtClean="0"/>
-              <a:t>2020/1/21</a:t>
+              <a:t>2020/1/23</a:t>
             </a:fld>
             <a:endParaRPr kumimoji="1" lang="ja-JP" altLang="en-US"/>
           </a:p>
@@ -5372,7 +5373,7 @@
           </a:lstStyle>
           <a:p>
             <a:r>
-              <a:rPr lang="ja-JP" altLang="en-US" smtClean="0"/>
+              <a:rPr lang="ja-JP" altLang="en-US"/>
               <a:t>マスター タイトルの書式設定</a:t>
             </a:r>
             <a:endParaRPr lang="en-US" dirty="0"/>
@@ -5445,7 +5446,7 @@
           </a:lstStyle>
           <a:p>
             <a:r>
-              <a:rPr lang="ja-JP" altLang="en-US" smtClean="0"/>
+              <a:rPr lang="ja-JP" altLang="en-US"/>
               <a:t>図を追加</a:t>
             </a:r>
             <a:endParaRPr lang="en-US" dirty="0"/>
@@ -5513,7 +5514,7 @@
           <a:p>
             <a:pPr lvl="0"/>
             <a:r>
-              <a:rPr lang="ja-JP" altLang="en-US" smtClean="0"/>
+              <a:rPr lang="ja-JP" altLang="en-US"/>
               <a:t>マスター テキストの書式設定</a:t>
             </a:r>
           </a:p>
@@ -5536,7 +5537,7 @@
           <a:p>
             <a:fld id="{443534F5-EF00-4516-A63B-9384DF8D9900}" type="datetimeFigureOut">
               <a:rPr kumimoji="1" lang="ja-JP" altLang="en-US" smtClean="0"/>
-              <a:t>2020/1/21</a:t>
+              <a:t>2020/1/23</a:t>
             </a:fld>
             <a:endParaRPr kumimoji="1" lang="ja-JP" altLang="en-US"/>
           </a:p>
@@ -5835,7 +5836,7 @@
           <a:lstStyle/>
           <a:p>
             <a:r>
-              <a:rPr lang="ja-JP" altLang="en-US" smtClean="0"/>
+              <a:rPr lang="ja-JP" altLang="en-US"/>
               <a:t>マスター タイトルの書式設定</a:t>
             </a:r>
             <a:endParaRPr lang="en-US" dirty="0"/>
@@ -5869,67 +5870,67 @@
           <a:p>
             <a:pPr lvl="0"/>
             <a:r>
-              <a:rPr lang="ja-JP" altLang="en-US" smtClean="0"/>
+              <a:rPr lang="ja-JP" altLang="en-US"/>
               <a:t>マスター テキストの書式設定</a:t>
             </a:r>
           </a:p>
           <a:p>
             <a:pPr lvl="1"/>
             <a:r>
-              <a:rPr lang="ja-JP" altLang="en-US" smtClean="0"/>
+              <a:rPr lang="ja-JP" altLang="en-US"/>
               <a:t>第 </a:t>
             </a:r>
             <a:r>
-              <a:rPr lang="en-US" altLang="ja-JP" smtClean="0"/>
+              <a:rPr lang="en-US" altLang="ja-JP"/>
               <a:t>2 </a:t>
             </a:r>
             <a:r>
-              <a:rPr lang="ja-JP" altLang="en-US" smtClean="0"/>
+              <a:rPr lang="ja-JP" altLang="en-US"/>
               <a:t>レベル</a:t>
             </a:r>
           </a:p>
           <a:p>
             <a:pPr lvl="2"/>
             <a:r>
-              <a:rPr lang="ja-JP" altLang="en-US" smtClean="0"/>
+              <a:rPr lang="ja-JP" altLang="en-US"/>
               <a:t>第 </a:t>
             </a:r>
             <a:r>
-              <a:rPr lang="en-US" altLang="ja-JP" smtClean="0"/>
+              <a:rPr lang="en-US" altLang="ja-JP"/>
               <a:t>3 </a:t>
             </a:r>
             <a:r>
-              <a:rPr lang="ja-JP" altLang="en-US" smtClean="0"/>
+              <a:rPr lang="ja-JP" altLang="en-US"/>
               <a:t>レベル</a:t>
             </a:r>
           </a:p>
           <a:p>
             <a:pPr lvl="3"/>
             <a:r>
-              <a:rPr lang="ja-JP" altLang="en-US" smtClean="0"/>
+              <a:rPr lang="ja-JP" altLang="en-US"/>
               <a:t>第 </a:t>
             </a:r>
             <a:r>
-              <a:rPr lang="en-US" altLang="ja-JP" smtClean="0"/>
+              <a:rPr lang="en-US" altLang="ja-JP"/>
               <a:t>4 </a:t>
             </a:r>
             <a:r>
-              <a:rPr lang="ja-JP" altLang="en-US" smtClean="0"/>
+              <a:rPr lang="ja-JP" altLang="en-US"/>
               <a:t>レベル</a:t>
             </a:r>
           </a:p>
           <a:p>
             <a:pPr lvl="4"/>
             <a:r>
-              <a:rPr lang="ja-JP" altLang="en-US" smtClean="0"/>
+              <a:rPr lang="ja-JP" altLang="en-US"/>
               <a:t>第 </a:t>
             </a:r>
             <a:r>
-              <a:rPr lang="en-US" altLang="ja-JP" smtClean="0"/>
+              <a:rPr lang="en-US" altLang="ja-JP"/>
               <a:t>5 </a:t>
             </a:r>
             <a:r>
-              <a:rPr lang="ja-JP" altLang="en-US" smtClean="0"/>
+              <a:rPr lang="ja-JP" altLang="en-US"/>
               <a:t>レベル</a:t>
             </a:r>
             <a:endParaRPr lang="en-US" dirty="0"/>
@@ -5971,7 +5972,7 @@
           <a:p>
             <a:fld id="{443534F5-EF00-4516-A63B-9384DF8D9900}" type="datetimeFigureOut">
               <a:rPr kumimoji="1" lang="ja-JP" altLang="en-US" smtClean="0"/>
-              <a:t>2020/1/21</a:t>
+              <a:t>2020/1/23</a:t>
             </a:fld>
             <a:endParaRPr kumimoji="1" lang="ja-JP" altLang="en-US"/>
           </a:p>
@@ -6491,18 +6492,13 @@
           <a:lstStyle/>
           <a:p>
             <a:r>
-              <a:rPr kumimoji="1" lang="ja-JP" altLang="en-US" sz="2400" dirty="0" smtClean="0">
+              <a:rPr kumimoji="1" lang="ja-JP" altLang="en-US" sz="2400" dirty="0">
                 <a:solidFill>
                   <a:schemeClr val="bg1"/>
                 </a:solidFill>
               </a:rPr>
               <a:t>製作者</a:t>
             </a:r>
-            <a:endParaRPr kumimoji="1" lang="ja-JP" altLang="en-US" sz="2400" dirty="0">
-              <a:solidFill>
-                <a:schemeClr val="bg1"/>
-              </a:solidFill>
-            </a:endParaRPr>
           </a:p>
         </p:txBody>
       </p:sp>
@@ -6529,7 +6525,7 @@
           <a:lstStyle/>
           <a:p>
             <a:r>
-              <a:rPr kumimoji="1" lang="ja-JP" altLang="en-US" sz="2400" dirty="0" smtClean="0">
+              <a:rPr kumimoji="1" lang="ja-JP" altLang="en-US" sz="2400" dirty="0">
                 <a:solidFill>
                   <a:schemeClr val="bg2">
                     <a:lumMod val="40000"/>
@@ -6539,7 +6535,7 @@
               </a:rPr>
               <a:t>ゲームクリエータ専攻科　３年　馬場　修平</a:t>
             </a:r>
-            <a:endParaRPr kumimoji="1" lang="en-US" altLang="ja-JP" sz="2400" dirty="0" smtClean="0">
+            <a:endParaRPr kumimoji="1" lang="en-US" altLang="ja-JP" sz="2400" dirty="0">
               <a:solidFill>
                 <a:schemeClr val="bg2">
                   <a:lumMod val="40000"/>
@@ -6558,27 +6554,8 @@
                   </a:schemeClr>
                 </a:solidFill>
               </a:rPr>
-              <a:t>ゲームクリエータ専攻科　</a:t>
-            </a:r>
-            <a:r>
-              <a:rPr kumimoji="1" lang="ja-JP" altLang="en-US" sz="2400" dirty="0" smtClean="0">
-                <a:solidFill>
-                  <a:schemeClr val="bg2">
-                    <a:lumMod val="40000"/>
-                    <a:lumOff val="60000"/>
-                  </a:schemeClr>
-                </a:solidFill>
-              </a:rPr>
-              <a:t>３年　吉住　達</a:t>
-            </a:r>
-            <a:endParaRPr kumimoji="1" lang="ja-JP" altLang="en-US" sz="2400" dirty="0">
-              <a:solidFill>
-                <a:schemeClr val="bg2">
-                  <a:lumMod val="40000"/>
-                  <a:lumOff val="60000"/>
-                </a:schemeClr>
-              </a:solidFill>
-            </a:endParaRPr>
+              <a:t>ゲームクリエータ専攻科　３年　吉住　達</a:t>
+            </a:r>
           </a:p>
         </p:txBody>
       </p:sp>
@@ -6635,10 +6612,9 @@
           <a:lstStyle/>
           <a:p>
             <a:r>
-              <a:rPr kumimoji="1" lang="ja-JP" altLang="en-US" dirty="0" smtClean="0"/>
+              <a:rPr kumimoji="1" lang="ja-JP" altLang="en-US" dirty="0"/>
               <a:t>ゲーム概要</a:t>
             </a:r>
-            <a:endParaRPr kumimoji="1" lang="ja-JP" altLang="en-US" dirty="0"/>
           </a:p>
         </p:txBody>
       </p:sp>
@@ -6650,8 +6626,8 @@
         </p:nvSpPr>
         <p:spPr>
           <a:xfrm>
-            <a:off x="254977" y="967154"/>
-            <a:ext cx="2734408" cy="646331"/>
+            <a:off x="136281" y="1611354"/>
+            <a:ext cx="2734408" cy="369332"/>
           </a:xfrm>
           <a:prstGeom prst="rect">
             <a:avLst/>
@@ -6665,10 +6641,135 @@
           <a:lstStyle/>
           <a:p>
             <a:r>
-              <a:rPr kumimoji="1" lang="ja-JP" altLang="en-US" dirty="0" smtClean="0"/>
-              <a:t>一定時間ゾンビから生き延びたらクリア</a:t>
+              <a:rPr kumimoji="1" lang="ja-JP" altLang="en-US" dirty="0"/>
+              <a:t>プレイ人数：</a:t>
+            </a:r>
+            <a:r>
+              <a:rPr kumimoji="1" lang="en-US" altLang="ja-JP" dirty="0"/>
+              <a:t>1</a:t>
+            </a:r>
+            <a:r>
+              <a:rPr kumimoji="1" lang="ja-JP" altLang="en-US" dirty="0"/>
+              <a:t>～</a:t>
+            </a:r>
+            <a:r>
+              <a:rPr kumimoji="1" lang="en-US" altLang="ja-JP" dirty="0"/>
+              <a:t>2</a:t>
+            </a:r>
+            <a:r>
+              <a:rPr kumimoji="1" lang="ja-JP" altLang="en-US" dirty="0"/>
+              <a:t>人</a:t>
+            </a:r>
+          </a:p>
+        </p:txBody>
+      </p:sp>
+      <p:sp>
+        <p:nvSpPr>
+          <p:cNvPr id="3" name="テキスト ボックス 2">
+            <a:extLst>
+              <a:ext uri="{FF2B5EF4-FFF2-40B4-BE49-F238E27FC236}">
+                <a16:creationId xmlns:a16="http://schemas.microsoft.com/office/drawing/2014/main" id="{45BBC3E2-EE67-4F62-8FB4-395D7CDBC879}"/>
+              </a:ext>
+            </a:extLst>
+          </p:cNvPr>
+          <p:cNvSpPr txBox="1"/>
+          <p:nvPr/>
+        </p:nvSpPr>
+        <p:spPr>
+          <a:xfrm>
+            <a:off x="136281" y="1061891"/>
+            <a:ext cx="3464682" cy="369332"/>
+          </a:xfrm>
+          <a:prstGeom prst="rect">
+            <a:avLst/>
+          </a:prstGeom>
+          <a:noFill/>
+        </p:spPr>
+        <p:txBody>
+          <a:bodyPr wrap="square" rtlCol="0">
+            <a:spAutoFit/>
+          </a:bodyPr>
+          <a:lstStyle/>
+          <a:p>
+            <a:r>
+              <a:rPr kumimoji="1" lang="ja-JP" altLang="en-US" dirty="0"/>
+              <a:t>ジャンル：シューティングアクション</a:t>
+            </a:r>
+          </a:p>
+        </p:txBody>
+      </p:sp>
+      <p:sp>
+        <p:nvSpPr>
+          <p:cNvPr id="5" name="テキスト ボックス 4">
+            <a:extLst>
+              <a:ext uri="{FF2B5EF4-FFF2-40B4-BE49-F238E27FC236}">
+                <a16:creationId xmlns:a16="http://schemas.microsoft.com/office/drawing/2014/main" id="{2A6767D5-C3B2-4547-833E-D159F5BA9811}"/>
+              </a:ext>
+            </a:extLst>
+          </p:cNvPr>
+          <p:cNvSpPr txBox="1"/>
+          <p:nvPr/>
+        </p:nvSpPr>
+        <p:spPr>
+          <a:xfrm>
+            <a:off x="184639" y="2107551"/>
+            <a:ext cx="1839470" cy="369332"/>
+          </a:xfrm>
+          <a:prstGeom prst="rect">
+            <a:avLst/>
+          </a:prstGeom>
+          <a:noFill/>
+        </p:spPr>
+        <p:txBody>
+          <a:bodyPr wrap="square" rtlCol="0">
+            <a:spAutoFit/>
+          </a:bodyPr>
+          <a:lstStyle/>
+          <a:p>
+            <a:r>
+              <a:rPr kumimoji="1" lang="ja-JP" altLang="en-US" dirty="0"/>
+              <a:t>動作環境：</a:t>
+            </a:r>
+            <a:r>
+              <a:rPr kumimoji="1" lang="en-US" altLang="ja-JP" dirty="0"/>
+              <a:t>PC</a:t>
             </a:r>
             <a:endParaRPr kumimoji="1" lang="ja-JP" altLang="en-US" dirty="0"/>
+          </a:p>
+        </p:txBody>
+      </p:sp>
+      <p:sp>
+        <p:nvSpPr>
+          <p:cNvPr id="6" name="テキスト ボックス 5">
+            <a:extLst>
+              <a:ext uri="{FF2B5EF4-FFF2-40B4-BE49-F238E27FC236}">
+                <a16:creationId xmlns:a16="http://schemas.microsoft.com/office/drawing/2014/main" id="{BF3038B8-0543-405A-AB2E-76D754373367}"/>
+              </a:ext>
+            </a:extLst>
+          </p:cNvPr>
+          <p:cNvSpPr txBox="1"/>
+          <p:nvPr/>
+        </p:nvSpPr>
+        <p:spPr>
+          <a:xfrm>
+            <a:off x="275208" y="2752078"/>
+            <a:ext cx="2423604" cy="1200329"/>
+          </a:xfrm>
+          <a:prstGeom prst="rect">
+            <a:avLst/>
+          </a:prstGeom>
+          <a:noFill/>
+        </p:spPr>
+        <p:txBody>
+          <a:bodyPr wrap="square" rtlCol="0">
+            <a:spAutoFit/>
+          </a:bodyPr>
+          <a:lstStyle/>
+          <a:p>
+            <a:r>
+              <a:rPr kumimoji="1" lang="ja-JP" altLang="en-US" dirty="0"/>
+              <a:t>数ヵ所から湧き出てくるゾンビを倒しつつ制限時間まで生き残ればクリア</a:t>
+            </a:r>
           </a:p>
         </p:txBody>
       </p:sp>
@@ -6725,10 +6826,9 @@
           <a:lstStyle/>
           <a:p>
             <a:r>
-              <a:rPr kumimoji="1" lang="ja-JP" altLang="en-US" dirty="0" smtClean="0"/>
+              <a:rPr kumimoji="1" lang="ja-JP" altLang="en-US" dirty="0"/>
               <a:t>操作説明</a:t>
             </a:r>
-            <a:endParaRPr kumimoji="1" lang="ja-JP" altLang="en-US" dirty="0"/>
           </a:p>
         </p:txBody>
       </p:sp>
@@ -6741,7 +6841,7 @@
         <p:spPr>
           <a:xfrm>
             <a:off x="369276" y="879230"/>
-            <a:ext cx="3719146" cy="1754326"/>
+            <a:ext cx="3719146" cy="2308324"/>
           </a:xfrm>
           <a:prstGeom prst="rect">
             <a:avLst/>
@@ -6755,57 +6855,79 @@
           <a:lstStyle/>
           <a:p>
             <a:r>
-              <a:rPr kumimoji="1" lang="ja-JP" altLang="en-US" dirty="0" smtClean="0"/>
+              <a:rPr kumimoji="1" lang="ja-JP" altLang="en-US" dirty="0"/>
               <a:t>左クリック：発砲</a:t>
             </a:r>
-            <a:endParaRPr kumimoji="1" lang="en-US" altLang="ja-JP" dirty="0" smtClean="0"/>
-          </a:p>
-          <a:p>
-            <a:r>
-              <a:rPr kumimoji="1" lang="ja-JP" altLang="en-US" dirty="0" smtClean="0"/>
+            <a:endParaRPr kumimoji="1" lang="en-US" altLang="ja-JP" dirty="0"/>
+          </a:p>
+          <a:p>
+            <a:r>
+              <a:rPr kumimoji="1" lang="ja-JP" altLang="en-US" dirty="0"/>
               <a:t>ホイール：銃切り替え</a:t>
             </a:r>
-            <a:endParaRPr kumimoji="1" lang="en-US" altLang="ja-JP" dirty="0" smtClean="0"/>
-          </a:p>
-          <a:p>
-            <a:r>
-              <a:rPr kumimoji="1" lang="ja-JP" altLang="en-US" dirty="0" smtClean="0"/>
+            <a:endParaRPr kumimoji="1" lang="en-US" altLang="ja-JP" dirty="0"/>
+          </a:p>
+          <a:p>
+            <a:r>
+              <a:rPr kumimoji="1" lang="ja-JP" altLang="en-US" dirty="0"/>
               <a:t>右クリック：スコープ覗き</a:t>
             </a:r>
-            <a:endParaRPr kumimoji="1" lang="en-US" altLang="ja-JP" dirty="0" smtClean="0"/>
-          </a:p>
-          <a:p>
-            <a:r>
-              <a:rPr kumimoji="1" lang="en-US" altLang="ja-JP" dirty="0" smtClean="0"/>
+            <a:endParaRPr kumimoji="1" lang="en-US" altLang="ja-JP" dirty="0"/>
+          </a:p>
+          <a:p>
+            <a:r>
+              <a:rPr kumimoji="1" lang="en-US" altLang="ja-JP" dirty="0"/>
               <a:t>WASD</a:t>
             </a:r>
             <a:r>
-              <a:rPr kumimoji="1" lang="ja-JP" altLang="en-US" dirty="0" smtClean="0"/>
+              <a:rPr kumimoji="1" lang="ja-JP" altLang="en-US" dirty="0"/>
               <a:t>：移動</a:t>
             </a:r>
-            <a:endParaRPr kumimoji="1" lang="en-US" altLang="ja-JP" dirty="0" smtClean="0"/>
-          </a:p>
-          <a:p>
-            <a:r>
-              <a:rPr kumimoji="1" lang="ja-JP" altLang="en-US" dirty="0" smtClean="0"/>
+            <a:endParaRPr kumimoji="1" lang="en-US" altLang="ja-JP" dirty="0"/>
+          </a:p>
+          <a:p>
+            <a:r>
+              <a:rPr kumimoji="1" lang="ja-JP" altLang="en-US" dirty="0"/>
               <a:t>シフト＋</a:t>
             </a:r>
             <a:r>
-              <a:rPr kumimoji="1" lang="en-US" altLang="ja-JP" dirty="0" smtClean="0"/>
-              <a:t>DSWD</a:t>
-            </a:r>
-            <a:r>
-              <a:rPr kumimoji="1" lang="ja-JP" altLang="en-US" dirty="0" smtClean="0"/>
+              <a:rPr kumimoji="1" lang="en-US" altLang="ja-JP" dirty="0"/>
+              <a:t>WASD</a:t>
+            </a:r>
+            <a:r>
+              <a:rPr kumimoji="1" lang="ja-JP" altLang="en-US" dirty="0"/>
               <a:t>：ダッシュ</a:t>
             </a:r>
-            <a:endParaRPr kumimoji="1" lang="en-US" altLang="ja-JP" dirty="0" smtClean="0"/>
-          </a:p>
-          <a:p>
-            <a:r>
-              <a:rPr kumimoji="1" lang="ja-JP" altLang="en-US" dirty="0" smtClean="0"/>
+            <a:endParaRPr kumimoji="1" lang="en-US" altLang="ja-JP" dirty="0"/>
+          </a:p>
+          <a:p>
+            <a:r>
+              <a:rPr kumimoji="1" lang="ja-JP" altLang="en-US" dirty="0"/>
               <a:t>スペースキー：ジャンプ</a:t>
             </a:r>
-            <a:endParaRPr kumimoji="1" lang="en-US" altLang="ja-JP" dirty="0" smtClean="0"/>
+            <a:endParaRPr kumimoji="1" lang="en-US" altLang="ja-JP" dirty="0"/>
+          </a:p>
+          <a:p>
+            <a:r>
+              <a:rPr kumimoji="1" lang="en-US" altLang="ja-JP" dirty="0"/>
+              <a:t>R</a:t>
+            </a:r>
+            <a:r>
+              <a:rPr kumimoji="1" lang="ja-JP" altLang="en-US" dirty="0"/>
+              <a:t>キー：リロード</a:t>
+            </a:r>
+            <a:endParaRPr kumimoji="1" lang="en-US" altLang="ja-JP" dirty="0"/>
+          </a:p>
+          <a:p>
+            <a:r>
+              <a:rPr kumimoji="1" lang="en-US" altLang="ja-JP" dirty="0"/>
+              <a:t>Q</a:t>
+            </a:r>
+            <a:r>
+              <a:rPr kumimoji="1" lang="ja-JP" altLang="en-US"/>
+              <a:t>キー：近距離攻撃</a:t>
+            </a:r>
+            <a:endParaRPr kumimoji="1" lang="en-US" altLang="ja-JP" dirty="0"/>
           </a:p>
         </p:txBody>
       </p:sp>
@@ -6862,10 +6984,9 @@
           <a:lstStyle/>
           <a:p>
             <a:r>
-              <a:rPr kumimoji="1" lang="ja-JP" altLang="en-US" dirty="0" smtClean="0"/>
+              <a:rPr kumimoji="1" lang="ja-JP" altLang="en-US" dirty="0"/>
               <a:t>ゲーム画面</a:t>
             </a:r>
-            <a:endParaRPr kumimoji="1" lang="ja-JP" altLang="en-US" dirty="0"/>
           </a:p>
         </p:txBody>
       </p:sp>
@@ -6933,8 +7054,8 @@
         </p:nvSpPr>
         <p:spPr>
           <a:xfrm>
-            <a:off x="263769" y="298938"/>
-            <a:ext cx="1714500" cy="369332"/>
+            <a:off x="87923" y="111783"/>
+            <a:ext cx="1714500" cy="461665"/>
           </a:xfrm>
           <a:prstGeom prst="rect">
             <a:avLst/>
@@ -6948,10 +7069,9 @@
           <a:lstStyle/>
           <a:p>
             <a:r>
-              <a:rPr kumimoji="1" lang="ja-JP" altLang="en-US" dirty="0" smtClean="0"/>
+              <a:rPr kumimoji="1" lang="ja-JP" altLang="en-US" sz="2400" dirty="0"/>
               <a:t>開発環境</a:t>
             </a:r>
-            <a:endParaRPr kumimoji="1" lang="ja-JP" altLang="en-US" dirty="0"/>
           </a:p>
         </p:txBody>
       </p:sp>
@@ -6963,8 +7083,8 @@
         </p:nvSpPr>
         <p:spPr>
           <a:xfrm>
-            <a:off x="474785" y="1072662"/>
-            <a:ext cx="3094892" cy="369332"/>
+            <a:off x="430823" y="709348"/>
+            <a:ext cx="3094892" cy="461665"/>
           </a:xfrm>
           <a:prstGeom prst="rect">
             <a:avLst/>
@@ -6978,10 +7098,10 @@
           <a:lstStyle/>
           <a:p>
             <a:r>
-              <a:rPr kumimoji="1" lang="en-US" altLang="ja-JP" dirty="0" smtClean="0"/>
+              <a:rPr kumimoji="1" lang="en-US" altLang="ja-JP" sz="2400" dirty="0"/>
               <a:t>Unity5.6.7f1(64bit)</a:t>
             </a:r>
-            <a:endParaRPr kumimoji="1" lang="ja-JP" altLang="en-US" dirty="0"/>
+            <a:endParaRPr kumimoji="1" lang="ja-JP" altLang="en-US" sz="2400" dirty="0"/>
           </a:p>
         </p:txBody>
       </p:sp>
@@ -6993,8 +7113,8 @@
         </p:nvSpPr>
         <p:spPr>
           <a:xfrm>
-            <a:off x="615462" y="1925515"/>
-            <a:ext cx="3138853" cy="369332"/>
+            <a:off x="408842" y="1312368"/>
+            <a:ext cx="3138853" cy="400110"/>
           </a:xfrm>
           <a:prstGeom prst="rect">
             <a:avLst/>
@@ -7008,12 +7128,8 @@
           <a:lstStyle/>
           <a:p>
             <a:r>
-              <a:rPr kumimoji="1" lang="ja-JP" altLang="en-US" dirty="0" smtClean="0"/>
-              <a:t>使用</a:t>
-            </a:r>
-            <a:r>
-              <a:rPr kumimoji="1" lang="ja-JP" altLang="en-US" dirty="0"/>
-              <a:t>アセット</a:t>
+              <a:rPr kumimoji="1" lang="ja-JP" altLang="en-US" sz="2000" dirty="0"/>
+              <a:t>使用アセット</a:t>
             </a:r>
           </a:p>
         </p:txBody>
@@ -7026,8 +7142,8 @@
         </p:nvSpPr>
         <p:spPr>
           <a:xfrm>
-            <a:off x="747346" y="2497015"/>
-            <a:ext cx="1670539" cy="369332"/>
+            <a:off x="430823" y="1712478"/>
+            <a:ext cx="2490212" cy="461665"/>
           </a:xfrm>
           <a:prstGeom prst="rect">
             <a:avLst/>
@@ -7041,10 +7157,10 @@
           <a:lstStyle/>
           <a:p>
             <a:r>
-              <a:rPr kumimoji="1" lang="en-US" altLang="ja-JP" dirty="0" err="1" smtClean="0"/>
+              <a:rPr kumimoji="1" lang="en-US" altLang="ja-JP" sz="2400" dirty="0" err="1"/>
               <a:t>EasyFPS</a:t>
             </a:r>
-            <a:endParaRPr kumimoji="1" lang="ja-JP" altLang="en-US" dirty="0"/>
+            <a:endParaRPr kumimoji="1" lang="ja-JP" altLang="en-US" sz="2400" dirty="0"/>
           </a:p>
         </p:txBody>
       </p:sp>
@@ -7056,8 +7172,8 @@
         </p:nvSpPr>
         <p:spPr>
           <a:xfrm>
-            <a:off x="712694" y="2883849"/>
-            <a:ext cx="2856983" cy="369332"/>
+            <a:off x="430823" y="2242093"/>
+            <a:ext cx="4258801" cy="461665"/>
           </a:xfrm>
           <a:prstGeom prst="rect">
             <a:avLst/>
@@ -7071,10 +7187,10 @@
           <a:lstStyle/>
           <a:p>
             <a:r>
-              <a:rPr kumimoji="1" lang="en-US" altLang="ja-JP" dirty="0" err="1" smtClean="0"/>
+              <a:rPr kumimoji="1" lang="en-US" altLang="ja-JP" sz="2400" dirty="0" err="1"/>
               <a:t>ZombieAnimationPackFree</a:t>
             </a:r>
-            <a:endParaRPr kumimoji="1" lang="ja-JP" altLang="en-US" dirty="0"/>
+            <a:endParaRPr kumimoji="1" lang="ja-JP" altLang="en-US" sz="2400" dirty="0"/>
           </a:p>
         </p:txBody>
       </p:sp>
@@ -7086,8 +7202,8 @@
         </p:nvSpPr>
         <p:spPr>
           <a:xfrm>
-            <a:off x="615462" y="3455349"/>
-            <a:ext cx="3138853" cy="369332"/>
+            <a:off x="333591" y="2771708"/>
+            <a:ext cx="4678974" cy="461665"/>
           </a:xfrm>
           <a:prstGeom prst="rect">
             <a:avLst/>
@@ -7101,10 +7217,75 @@
           <a:lstStyle/>
           <a:p>
             <a:r>
-              <a:rPr kumimoji="1" lang="en-US" altLang="ja-JP" dirty="0" smtClean="0"/>
+              <a:rPr kumimoji="1" lang="en-US" altLang="ja-JP" sz="2400" dirty="0"/>
               <a:t>RPG FPS game assets industrial</a:t>
             </a:r>
-            <a:endParaRPr kumimoji="1" lang="ja-JP" altLang="en-US" dirty="0"/>
+            <a:endParaRPr kumimoji="1" lang="ja-JP" altLang="en-US" sz="2400" dirty="0"/>
+          </a:p>
+        </p:txBody>
+      </p:sp>
+      <p:sp>
+        <p:nvSpPr>
+          <p:cNvPr id="9" name="テキスト ボックス 8">
+            <a:extLst>
+              <a:ext uri="{FF2B5EF4-FFF2-40B4-BE49-F238E27FC236}">
+                <a16:creationId xmlns:a16="http://schemas.microsoft.com/office/drawing/2014/main" id="{9E1FC0B8-2A6A-409C-8A3C-BC27B84A7E0D}"/>
+              </a:ext>
+            </a:extLst>
+          </p:cNvPr>
+          <p:cNvSpPr txBox="1"/>
+          <p:nvPr/>
+        </p:nvSpPr>
+        <p:spPr>
+          <a:xfrm>
+            <a:off x="648069" y="4181383"/>
+            <a:ext cx="3897297" cy="923330"/>
+          </a:xfrm>
+          <a:prstGeom prst="rect">
+            <a:avLst/>
+          </a:prstGeom>
+          <a:noFill/>
+        </p:spPr>
+        <p:txBody>
+          <a:bodyPr wrap="square" rtlCol="0">
+            <a:spAutoFit/>
+          </a:bodyPr>
+          <a:lstStyle/>
+          <a:p>
+            <a:r>
+              <a:rPr kumimoji="1" lang="ja-JP" altLang="en-US" dirty="0"/>
+              <a:t>担当箇所</a:t>
+            </a:r>
+            <a:endParaRPr kumimoji="1" lang="en-US" altLang="ja-JP" dirty="0"/>
+          </a:p>
+          <a:p>
+            <a:r>
+              <a:rPr kumimoji="1" lang="ja-JP" altLang="en-US" dirty="0"/>
+              <a:t>馬場：企画、プログラム全般、</a:t>
+            </a:r>
+            <a:r>
+              <a:rPr kumimoji="1" lang="en-US" altLang="ja-JP" dirty="0"/>
+              <a:t>UI</a:t>
+            </a:r>
+            <a:r>
+              <a:rPr kumimoji="1" lang="ja-JP" altLang="en-US" dirty="0"/>
+              <a:t>生成</a:t>
+            </a:r>
+            <a:endParaRPr kumimoji="1" lang="en-US" altLang="ja-JP" dirty="0"/>
+          </a:p>
+          <a:p>
+            <a:r>
+              <a:rPr kumimoji="1" lang="ja-JP" altLang="en-US" dirty="0"/>
+              <a:t>吉住：企画、ステージ作成、</a:t>
+            </a:r>
+            <a:r>
+              <a:rPr kumimoji="1" lang="en-US" altLang="ja-JP" dirty="0"/>
+              <a:t>UI</a:t>
+            </a:r>
+            <a:r>
+              <a:rPr kumimoji="1" lang="ja-JP" altLang="en-US" dirty="0"/>
+              <a:t>生成</a:t>
+            </a:r>
           </a:p>
         </p:txBody>
       </p:sp>
@@ -7112,6 +7293,71 @@
     <p:extLst>
       <p:ext uri="{BB962C8B-B14F-4D97-AF65-F5344CB8AC3E}">
         <p14:creationId xmlns:p14="http://schemas.microsoft.com/office/powerpoint/2010/main" val="3579442072"/>
+      </p:ext>
+    </p:extLst>
+  </p:cSld>
+  <p:clrMapOvr>
+    <a:masterClrMapping/>
+  </p:clrMapOvr>
+</p:sld>
+</file>
+
+<file path=ppt/slides/slide6.xml><?xml version="1.0" encoding="utf-8"?>
+<p:sld xmlns:a="http://schemas.openxmlformats.org/drawingml/2006/main" xmlns:r="http://schemas.openxmlformats.org/officeDocument/2006/relationships" xmlns:p="http://schemas.openxmlformats.org/presentationml/2006/main">
+  <p:cSld>
+    <p:spTree>
+      <p:nvGrpSpPr>
+        <p:cNvPr id="1" name=""/>
+        <p:cNvGrpSpPr/>
+        <p:nvPr/>
+      </p:nvGrpSpPr>
+      <p:grpSpPr>
+        <a:xfrm>
+          <a:off x="0" y="0"/>
+          <a:ext cx="0" cy="0"/>
+          <a:chOff x="0" y="0"/>
+          <a:chExt cx="0" cy="0"/>
+        </a:xfrm>
+      </p:grpSpPr>
+      <p:sp>
+        <p:nvSpPr>
+          <p:cNvPr id="2" name="テキスト ボックス 1">
+            <a:extLst>
+              <a:ext uri="{FF2B5EF4-FFF2-40B4-BE49-F238E27FC236}">
+                <a16:creationId xmlns:a16="http://schemas.microsoft.com/office/drawing/2014/main" id="{0EAC69DF-47A6-4922-8EA4-0CDB3928392F}"/>
+              </a:ext>
+            </a:extLst>
+          </p:cNvPr>
+          <p:cNvSpPr txBox="1"/>
+          <p:nvPr/>
+        </p:nvSpPr>
+        <p:spPr>
+          <a:xfrm flipH="1">
+            <a:off x="3558243" y="2157273"/>
+            <a:ext cx="4866666" cy="523220"/>
+          </a:xfrm>
+          <a:prstGeom prst="rect">
+            <a:avLst/>
+          </a:prstGeom>
+          <a:noFill/>
+        </p:spPr>
+        <p:txBody>
+          <a:bodyPr wrap="square" rtlCol="0">
+            <a:spAutoFit/>
+          </a:bodyPr>
+          <a:lstStyle/>
+          <a:p>
+            <a:r>
+              <a:rPr kumimoji="1" lang="ja-JP" altLang="en-US" sz="2800" dirty="0"/>
+              <a:t>ご清聴ありがとうございました</a:t>
+            </a:r>
+          </a:p>
+        </p:txBody>
+      </p:sp>
+    </p:spTree>
+    <p:extLst>
+      <p:ext uri="{BB962C8B-B14F-4D97-AF65-F5344CB8AC3E}">
+        <p14:creationId xmlns:p14="http://schemas.microsoft.com/office/powerpoint/2010/main" val="1437594938"/>
       </p:ext>
     </p:extLst>
   </p:cSld>
